--- a/Homework/HW6/pic/7.1_4.pptx
+++ b/Homework/HW6/pic/7.1_4.pptx
@@ -243,7 +243,7 @@
           <a:p>
             <a:fld id="{3FF9B00B-3D8E-4656-A96C-F08553E3C2FE}" type="datetimeFigureOut">
               <a:rPr lang="zh-CN" altLang="en-US" smtClean="0"/>
-              <a:t>2018/4/28</a:t>
+              <a:t>2018/4/29</a:t>
             </a:fld>
             <a:endParaRPr lang="zh-CN" altLang="en-US"/>
           </a:p>
@@ -413,7 +413,7 @@
           <a:p>
             <a:fld id="{3FF9B00B-3D8E-4656-A96C-F08553E3C2FE}" type="datetimeFigureOut">
               <a:rPr lang="zh-CN" altLang="en-US" smtClean="0"/>
-              <a:t>2018/4/28</a:t>
+              <a:t>2018/4/29</a:t>
             </a:fld>
             <a:endParaRPr lang="zh-CN" altLang="en-US"/>
           </a:p>
@@ -593,7 +593,7 @@
           <a:p>
             <a:fld id="{3FF9B00B-3D8E-4656-A96C-F08553E3C2FE}" type="datetimeFigureOut">
               <a:rPr lang="zh-CN" altLang="en-US" smtClean="0"/>
-              <a:t>2018/4/28</a:t>
+              <a:t>2018/4/29</a:t>
             </a:fld>
             <a:endParaRPr lang="zh-CN" altLang="en-US"/>
           </a:p>
@@ -763,7 +763,7 @@
           <a:p>
             <a:fld id="{3FF9B00B-3D8E-4656-A96C-F08553E3C2FE}" type="datetimeFigureOut">
               <a:rPr lang="zh-CN" altLang="en-US" smtClean="0"/>
-              <a:t>2018/4/28</a:t>
+              <a:t>2018/4/29</a:t>
             </a:fld>
             <a:endParaRPr lang="zh-CN" altLang="en-US"/>
           </a:p>
@@ -1009,7 +1009,7 @@
           <a:p>
             <a:fld id="{3FF9B00B-3D8E-4656-A96C-F08553E3C2FE}" type="datetimeFigureOut">
               <a:rPr lang="zh-CN" altLang="en-US" smtClean="0"/>
-              <a:t>2018/4/28</a:t>
+              <a:t>2018/4/29</a:t>
             </a:fld>
             <a:endParaRPr lang="zh-CN" altLang="en-US"/>
           </a:p>
@@ -1241,7 +1241,7 @@
           <a:p>
             <a:fld id="{3FF9B00B-3D8E-4656-A96C-F08553E3C2FE}" type="datetimeFigureOut">
               <a:rPr lang="zh-CN" altLang="en-US" smtClean="0"/>
-              <a:t>2018/4/28</a:t>
+              <a:t>2018/4/29</a:t>
             </a:fld>
             <a:endParaRPr lang="zh-CN" altLang="en-US"/>
           </a:p>
@@ -1608,7 +1608,7 @@
           <a:p>
             <a:fld id="{3FF9B00B-3D8E-4656-A96C-F08553E3C2FE}" type="datetimeFigureOut">
               <a:rPr lang="zh-CN" altLang="en-US" smtClean="0"/>
-              <a:t>2018/4/28</a:t>
+              <a:t>2018/4/29</a:t>
             </a:fld>
             <a:endParaRPr lang="zh-CN" altLang="en-US"/>
           </a:p>
@@ -1726,7 +1726,7 @@
           <a:p>
             <a:fld id="{3FF9B00B-3D8E-4656-A96C-F08553E3C2FE}" type="datetimeFigureOut">
               <a:rPr lang="zh-CN" altLang="en-US" smtClean="0"/>
-              <a:t>2018/4/28</a:t>
+              <a:t>2018/4/29</a:t>
             </a:fld>
             <a:endParaRPr lang="zh-CN" altLang="en-US"/>
           </a:p>
@@ -1821,7 +1821,7 @@
           <a:p>
             <a:fld id="{3FF9B00B-3D8E-4656-A96C-F08553E3C2FE}" type="datetimeFigureOut">
               <a:rPr lang="zh-CN" altLang="en-US" smtClean="0"/>
-              <a:t>2018/4/28</a:t>
+              <a:t>2018/4/29</a:t>
             </a:fld>
             <a:endParaRPr lang="zh-CN" altLang="en-US"/>
           </a:p>
@@ -2098,7 +2098,7 @@
           <a:p>
             <a:fld id="{3FF9B00B-3D8E-4656-A96C-F08553E3C2FE}" type="datetimeFigureOut">
               <a:rPr lang="zh-CN" altLang="en-US" smtClean="0"/>
-              <a:t>2018/4/28</a:t>
+              <a:t>2018/4/29</a:t>
             </a:fld>
             <a:endParaRPr lang="zh-CN" altLang="en-US"/>
           </a:p>
@@ -2351,7 +2351,7 @@
           <a:p>
             <a:fld id="{3FF9B00B-3D8E-4656-A96C-F08553E3C2FE}" type="datetimeFigureOut">
               <a:rPr lang="zh-CN" altLang="en-US" smtClean="0"/>
-              <a:t>2018/4/28</a:t>
+              <a:t>2018/4/29</a:t>
             </a:fld>
             <a:endParaRPr lang="zh-CN" altLang="en-US"/>
           </a:p>
@@ -2564,7 +2564,7 @@
           <a:p>
             <a:fld id="{3FF9B00B-3D8E-4656-A96C-F08553E3C2FE}" type="datetimeFigureOut">
               <a:rPr lang="zh-CN" altLang="en-US" smtClean="0"/>
-              <a:t>2018/4/28</a:t>
+              <a:t>2018/4/29</a:t>
             </a:fld>
             <a:endParaRPr lang="zh-CN" altLang="en-US"/>
           </a:p>
@@ -3582,7 +3582,7 @@
         </p:nvGrpSpPr>
         <p:grpSpPr>
           <a:xfrm>
-            <a:off x="4878661" y="886522"/>
+            <a:off x="4887953" y="1089247"/>
             <a:ext cx="680224" cy="624468"/>
             <a:chOff x="3033132" y="2319454"/>
             <a:chExt cx="680224" cy="624468"/>
@@ -4047,76 +4047,6 @@
       </p:cxnSp>
       <p:cxnSp>
         <p:nvCxnSpPr>
-          <p:cNvPr id="33" name="直接箭头连接符 32"/>
-          <p:cNvCxnSpPr>
-            <a:endCxn id="17" idx="4"/>
-          </p:cNvCxnSpPr>
-          <p:nvPr/>
-        </p:nvCxnSpPr>
-        <p:spPr>
-          <a:xfrm flipH="1" flipV="1">
-            <a:off x="5218773" y="1510990"/>
-            <a:ext cx="9293" cy="801124"/>
-          </a:xfrm>
-          <a:prstGeom prst="straightConnector1">
-            <a:avLst/>
-          </a:prstGeom>
-          <a:ln>
-            <a:tailEnd type="triangle"/>
-          </a:ln>
-        </p:spPr>
-        <p:style>
-          <a:lnRef idx="1">
-            <a:schemeClr val="dk1"/>
-          </a:lnRef>
-          <a:fillRef idx="0">
-            <a:schemeClr val="dk1"/>
-          </a:fillRef>
-          <a:effectRef idx="0">
-            <a:schemeClr val="dk1"/>
-          </a:effectRef>
-          <a:fontRef idx="minor">
-            <a:schemeClr val="tx1"/>
-          </a:fontRef>
-        </p:style>
-      </p:cxnSp>
-      <p:cxnSp>
-        <p:nvCxnSpPr>
-          <p:cNvPr id="37" name="直接箭头连接符 36"/>
-          <p:cNvCxnSpPr>
-            <a:endCxn id="14" idx="7"/>
-          </p:cNvCxnSpPr>
-          <p:nvPr/>
-        </p:nvCxnSpPr>
-        <p:spPr>
-          <a:xfrm flipH="1">
-            <a:off x="4498405" y="1318984"/>
-            <a:ext cx="421993" cy="283457"/>
-          </a:xfrm>
-          <a:prstGeom prst="straightConnector1">
-            <a:avLst/>
-          </a:prstGeom>
-          <a:ln>
-            <a:tailEnd type="triangle"/>
-          </a:ln>
-        </p:spPr>
-        <p:style>
-          <a:lnRef idx="1">
-            <a:schemeClr val="dk1"/>
-          </a:lnRef>
-          <a:fillRef idx="0">
-            <a:schemeClr val="dk1"/>
-          </a:fillRef>
-          <a:effectRef idx="0">
-            <a:schemeClr val="dk1"/>
-          </a:effectRef>
-          <a:fontRef idx="minor">
-            <a:schemeClr val="tx1"/>
-          </a:fontRef>
-        </p:style>
-      </p:cxnSp>
-      <p:cxnSp>
-        <p:nvCxnSpPr>
           <p:cNvPr id="39" name="直接箭头连接符 38"/>
           <p:cNvCxnSpPr>
             <a:stCxn id="14" idx="3"/>
@@ -4158,7 +4088,7 @@
         </p:nvGrpSpPr>
         <p:grpSpPr>
           <a:xfrm>
-            <a:off x="2534964" y="991788"/>
+            <a:off x="3021950" y="1150137"/>
             <a:ext cx="680224" cy="624468"/>
             <a:chOff x="3033132" y="2319454"/>
             <a:chExt cx="680224" cy="624468"/>
